--- a/Daily Agendas/Day3.4_EmojiEquity.pptx
+++ b/Daily Agendas/Day3.4_EmojiEquity.pptx
@@ -7,6 +7,8 @@
   <p:sldIdLst>
     <p:sldId id="256" r:id="rId2"/>
     <p:sldId id="265" r:id="rId3"/>
+    <p:sldId id="266" r:id="rId4"/>
+    <p:sldId id="267" r:id="rId5"/>
   </p:sldIdLst>
   <p:sldSz cx="9144000" cy="6858000" type="screen4x3"/>
   <p:notesSz cx="6858000" cy="9144000"/>
@@ -304,7 +306,7 @@
             <a:fld id="{1D8BD707-D9CF-40AE-B4C6-C98DA3205C09}" type="datetimeFigureOut">
               <a:rPr lang="en-US" smtClean="0"/>
               <a:pPr/>
-              <a:t>9/19/2018</a:t>
+              <a:t>9/20/2018</a:t>
             </a:fld>
             <a:endParaRPr lang="en-US"/>
           </a:p>
@@ -469,7 +471,7 @@
             <a:fld id="{1D8BD707-D9CF-40AE-B4C6-C98DA3205C09}" type="datetimeFigureOut">
               <a:rPr lang="en-US" smtClean="0"/>
               <a:pPr/>
-              <a:t>9/19/2018</a:t>
+              <a:t>9/20/2018</a:t>
             </a:fld>
             <a:endParaRPr lang="en-US"/>
           </a:p>
@@ -644,7 +646,7 @@
             <a:fld id="{1D8BD707-D9CF-40AE-B4C6-C98DA3205C09}" type="datetimeFigureOut">
               <a:rPr lang="en-US" smtClean="0"/>
               <a:pPr/>
-              <a:t>9/19/2018</a:t>
+              <a:t>9/20/2018</a:t>
             </a:fld>
             <a:endParaRPr lang="en-US"/>
           </a:p>
@@ -809,7 +811,7 @@
             <a:fld id="{1D8BD707-D9CF-40AE-B4C6-C98DA3205C09}" type="datetimeFigureOut">
               <a:rPr lang="en-US" smtClean="0"/>
               <a:pPr/>
-              <a:t>9/19/2018</a:t>
+              <a:t>9/20/2018</a:t>
             </a:fld>
             <a:endParaRPr lang="en-US"/>
           </a:p>
@@ -1051,7 +1053,7 @@
             <a:fld id="{1D8BD707-D9CF-40AE-B4C6-C98DA3205C09}" type="datetimeFigureOut">
               <a:rPr lang="en-US" smtClean="0"/>
               <a:pPr/>
-              <a:t>9/19/2018</a:t>
+              <a:t>9/20/2018</a:t>
             </a:fld>
             <a:endParaRPr lang="en-US"/>
           </a:p>
@@ -1333,7 +1335,7 @@
             <a:fld id="{1D8BD707-D9CF-40AE-B4C6-C98DA3205C09}" type="datetimeFigureOut">
               <a:rPr lang="en-US" smtClean="0"/>
               <a:pPr/>
-              <a:t>9/19/2018</a:t>
+              <a:t>9/20/2018</a:t>
             </a:fld>
             <a:endParaRPr lang="en-US"/>
           </a:p>
@@ -1749,7 +1751,7 @@
             <a:fld id="{1D8BD707-D9CF-40AE-B4C6-C98DA3205C09}" type="datetimeFigureOut">
               <a:rPr lang="en-US" smtClean="0"/>
               <a:pPr/>
-              <a:t>9/19/2018</a:t>
+              <a:t>9/20/2018</a:t>
             </a:fld>
             <a:endParaRPr lang="en-US"/>
           </a:p>
@@ -1863,7 +1865,7 @@
             <a:fld id="{1D8BD707-D9CF-40AE-B4C6-C98DA3205C09}" type="datetimeFigureOut">
               <a:rPr lang="en-US" smtClean="0"/>
               <a:pPr/>
-              <a:t>9/19/2018</a:t>
+              <a:t>9/20/2018</a:t>
             </a:fld>
             <a:endParaRPr lang="en-US"/>
           </a:p>
@@ -1955,7 +1957,7 @@
             <a:fld id="{1D8BD707-D9CF-40AE-B4C6-C98DA3205C09}" type="datetimeFigureOut">
               <a:rPr lang="en-US" smtClean="0"/>
               <a:pPr/>
-              <a:t>9/19/2018</a:t>
+              <a:t>9/20/2018</a:t>
             </a:fld>
             <a:endParaRPr lang="en-US"/>
           </a:p>
@@ -2227,7 +2229,7 @@
             <a:fld id="{1D8BD707-D9CF-40AE-B4C6-C98DA3205C09}" type="datetimeFigureOut">
               <a:rPr lang="en-US" smtClean="0"/>
               <a:pPr/>
-              <a:t>9/19/2018</a:t>
+              <a:t>9/20/2018</a:t>
             </a:fld>
             <a:endParaRPr lang="en-US"/>
           </a:p>
@@ -2476,7 +2478,7 @@
             <a:fld id="{1D8BD707-D9CF-40AE-B4C6-C98DA3205C09}" type="datetimeFigureOut">
               <a:rPr lang="en-US" smtClean="0"/>
               <a:pPr/>
-              <a:t>9/19/2018</a:t>
+              <a:t>9/20/2018</a:t>
             </a:fld>
             <a:endParaRPr lang="en-US"/>
           </a:p>
@@ -2684,7 +2686,7 @@
             <a:fld id="{1D8BD707-D9CF-40AE-B4C6-C98DA3205C09}" type="datetimeFigureOut">
               <a:rPr lang="en-US" smtClean="0"/>
               <a:pPr/>
-              <a:t>9/19/2018</a:t>
+              <a:t>9/20/2018</a:t>
             </a:fld>
             <a:endParaRPr lang="en-US"/>
           </a:p>
@@ -3084,10 +3086,6 @@
               <a:rPr lang="en-US" dirty="0" smtClean="0"/>
               <a:t>20</a:t>
             </a:r>
-            <a:r>
-              <a:rPr lang="en-US" dirty="0" smtClean="0"/>
-              <a:t/>
-            </a:r>
             <a:br>
               <a:rPr lang="en-US" dirty="0" smtClean="0"/>
             </a:br>
@@ -3125,11 +3123,7 @@
             <a:pPr lvl="1"/>
             <a:r>
               <a:rPr lang="en-CA" dirty="0" smtClean="0"/>
-              <a:t>Case </a:t>
-            </a:r>
-            <a:r>
-              <a:rPr lang="en-CA" dirty="0" smtClean="0"/>
-              <a:t>Study C.1 Emoji Equity</a:t>
+              <a:t>Case Study C.1 Emoji Equity</a:t>
             </a:r>
           </a:p>
           <a:p>
@@ -3178,12 +3172,8 @@
               <a:t>TOMORROW: </a:t>
             </a:r>
             <a:r>
-              <a:rPr lang="en-US" dirty="0" err="1" smtClean="0"/>
-              <a:t>t.b.d</a:t>
-            </a:r>
-            <a:r>
-              <a:rPr lang="en-US" dirty="0" smtClean="0"/>
-              <a:t>.</a:t>
+              <a:rPr lang="en-US" smtClean="0"/>
+              <a:t>Continue Case Study C.1</a:t>
             </a:r>
             <a:endParaRPr lang="en-CA" dirty="0"/>
           </a:p>
@@ -3252,11 +3242,7 @@
           <a:p>
             <a:r>
               <a:rPr lang="en-US" dirty="0" smtClean="0"/>
-              <a:t>Module </a:t>
-            </a:r>
-            <a:r>
-              <a:rPr lang="en-US" dirty="0" smtClean="0"/>
-              <a:t>B.2 </a:t>
+              <a:t>Module B.2 </a:t>
             </a:r>
             <a:r>
               <a:rPr lang="en-US" dirty="0"/>
@@ -3265,10 +3251,6 @@
             <a:r>
               <a:rPr lang="en-US" dirty="0" smtClean="0"/>
               <a:t>20</a:t>
-            </a:r>
-            <a:r>
-              <a:rPr lang="en-US" dirty="0" smtClean="0"/>
-              <a:t/>
             </a:r>
             <a:br>
               <a:rPr lang="en-US" dirty="0" smtClean="0"/>
@@ -3294,7 +3276,7 @@
         <p:spPr/>
         <p:txBody>
           <a:bodyPr>
-            <a:normAutofit lnSpcReduction="10000"/>
+            <a:normAutofit fontScale="92500" lnSpcReduction="20000"/>
           </a:bodyPr>
           <a:lstStyle/>
           <a:p>
@@ -3322,15 +3304,7 @@
             <a:pPr lvl="2"/>
             <a:r>
               <a:rPr lang="en-CA" dirty="0" smtClean="0"/>
-              <a:t>Code </a:t>
-            </a:r>
-            <a:r>
-              <a:rPr lang="en-CA" dirty="0" smtClean="0"/>
-              <a:t>the </a:t>
-            </a:r>
-            <a:r>
-              <a:rPr lang="en-CA" dirty="0" smtClean="0"/>
-              <a:t>SWT Dialog Boxes</a:t>
+              <a:t>Code the SWT Dialog Boxes</a:t>
             </a:r>
           </a:p>
           <a:p>
@@ -3342,7 +3316,29 @@
             <a:endParaRPr lang="en-CA" dirty="0"/>
           </a:p>
           <a:p>
+            <a:pPr lvl="1"/>
+            <a:r>
+              <a:rPr lang="en-CA" dirty="0"/>
+              <a:t>Mod </a:t>
+            </a:r>
+            <a:r>
+              <a:rPr lang="en-CA" dirty="0" smtClean="0"/>
+              <a:t>B.3 SWT Math Project</a:t>
+            </a:r>
+          </a:p>
+          <a:p>
             <a:pPr lvl="2"/>
+            <a:r>
+              <a:rPr lang="en-CA" dirty="0" smtClean="0"/>
+              <a:t>Research Widgets</a:t>
+            </a:r>
+          </a:p>
+          <a:p>
+            <a:pPr lvl="2"/>
+            <a:r>
+              <a:rPr lang="en-CA" dirty="0" smtClean="0"/>
+              <a:t>Begin Level 1 Design</a:t>
+            </a:r>
             <a:endParaRPr lang="en-CA" dirty="0"/>
           </a:p>
           <a:p>
@@ -3377,15 +3373,11 @@
             <a:pPr lvl="1"/>
             <a:r>
               <a:rPr lang="en-US" dirty="0" smtClean="0"/>
-              <a:t>Tomorrow</a:t>
+              <a:t>Tomorrow: </a:t>
             </a:r>
             <a:r>
               <a:rPr lang="en-US" dirty="0" smtClean="0"/>
-              <a:t>: </a:t>
-            </a:r>
-            <a:r>
-              <a:rPr lang="en-US" dirty="0" err="1" smtClean="0"/>
-              <a:t>t.b.d</a:t>
+              <a:t>Continue Module B.3</a:t>
             </a:r>
             <a:endParaRPr lang="en-US" dirty="0"/>
           </a:p>
@@ -3395,6 +3387,238 @@
     <p:extLst>
       <p:ext uri="{BB962C8B-B14F-4D97-AF65-F5344CB8AC3E}">
         <p14:creationId xmlns:p14="http://schemas.microsoft.com/office/powerpoint/2010/main" val="732691285"/>
+      </p:ext>
+    </p:extLst>
+  </p:cSld>
+  <p:clrMapOvr>
+    <a:masterClrMapping/>
+  </p:clrMapOvr>
+  <p:timing>
+    <p:tnLst>
+      <p:par>
+        <p:cTn id="1" dur="indefinite" restart="never" nodeType="tmRoot"/>
+      </p:par>
+    </p:tnLst>
+  </p:timing>
+</p:sld>
+</file>
+
+<file path=ppt/slides/slide3.xml><?xml version="1.0" encoding="utf-8"?>
+<p:sld xmlns:a="http://schemas.openxmlformats.org/drawingml/2006/main" xmlns:r="http://schemas.openxmlformats.org/officeDocument/2006/relationships" xmlns:p="http://schemas.openxmlformats.org/presentationml/2006/main">
+  <p:cSld>
+    <p:spTree>
+      <p:nvGrpSpPr>
+        <p:cNvPr id="1" name=""/>
+        <p:cNvGrpSpPr/>
+        <p:nvPr/>
+      </p:nvGrpSpPr>
+      <p:grpSpPr>
+        <a:xfrm>
+          <a:off x="0" y="0"/>
+          <a:ext cx="0" cy="0"/>
+          <a:chOff x="0" y="0"/>
+          <a:chExt cx="0" cy="0"/>
+        </a:xfrm>
+      </p:grpSpPr>
+      <p:sp>
+        <p:nvSpPr>
+          <p:cNvPr id="2" name="Title 1"/>
+          <p:cNvSpPr>
+            <a:spLocks noGrp="1"/>
+          </p:cNvSpPr>
+          <p:nvPr>
+            <p:ph type="title"/>
+          </p:nvPr>
+        </p:nvSpPr>
+        <p:spPr/>
+        <p:txBody>
+          <a:bodyPr/>
+          <a:lstStyle/>
+          <a:p>
+            <a:endParaRPr lang="en-US"/>
+          </a:p>
+        </p:txBody>
+      </p:sp>
+      <p:sp>
+        <p:nvSpPr>
+          <p:cNvPr id="3" name="Content Placeholder 2"/>
+          <p:cNvSpPr>
+            <a:spLocks noGrp="1"/>
+          </p:cNvSpPr>
+          <p:nvPr>
+            <p:ph idx="1"/>
+          </p:nvPr>
+        </p:nvSpPr>
+        <p:spPr/>
+        <p:txBody>
+          <a:bodyPr/>
+          <a:lstStyle/>
+          <a:p>
+            <a:endParaRPr lang="en-US"/>
+          </a:p>
+        </p:txBody>
+      </p:sp>
+      <p:pic>
+        <p:nvPicPr>
+          <p:cNvPr id="1026" name="Picture 2" descr="https://i.cbc.ca/1.4577726.1521131718!/fileImage/httpImage/image.jpg_gen/derivatives/16x9_780/facebook-emojis.jpg"/>
+          <p:cNvPicPr>
+            <a:picLocks noChangeAspect="1" noChangeArrowheads="1"/>
+          </p:cNvPicPr>
+          <p:nvPr/>
+        </p:nvPicPr>
+        <p:blipFill>
+          <a:blip r:embed="rId2">
+            <a:extLst>
+              <a:ext uri="{28A0092B-C50C-407E-A947-70E740481C1C}">
+                <a14:useLocalDpi xmlns:a14="http://schemas.microsoft.com/office/drawing/2010/main" val="0"/>
+              </a:ext>
+            </a:extLst>
+          </a:blip>
+          <a:srcRect/>
+          <a:stretch>
+            <a:fillRect/>
+          </a:stretch>
+        </p:blipFill>
+        <p:spPr bwMode="auto">
+          <a:xfrm>
+            <a:off x="914400" y="1219200"/>
+            <a:ext cx="7429500" cy="4181475"/>
+          </a:xfrm>
+          <a:prstGeom prst="rect">
+            <a:avLst/>
+          </a:prstGeom>
+          <a:noFill/>
+          <a:extLst>
+            <a:ext uri="{909E8E84-426E-40DD-AFC4-6F175D3DCCD1}">
+              <a14:hiddenFill xmlns:a14="http://schemas.microsoft.com/office/drawing/2010/main">
+                <a:solidFill>
+                  <a:srgbClr val="FFFFFF"/>
+                </a:solidFill>
+              </a14:hiddenFill>
+            </a:ext>
+          </a:extLst>
+        </p:spPr>
+      </p:pic>
+    </p:spTree>
+    <p:extLst>
+      <p:ext uri="{BB962C8B-B14F-4D97-AF65-F5344CB8AC3E}">
+        <p14:creationId xmlns:p14="http://schemas.microsoft.com/office/powerpoint/2010/main" val="1608337762"/>
+      </p:ext>
+    </p:extLst>
+  </p:cSld>
+  <p:clrMapOvr>
+    <a:masterClrMapping/>
+  </p:clrMapOvr>
+  <p:timing>
+    <p:tnLst>
+      <p:par>
+        <p:cTn id="1" dur="indefinite" restart="never" nodeType="tmRoot"/>
+      </p:par>
+    </p:tnLst>
+  </p:timing>
+</p:sld>
+</file>
+
+<file path=ppt/slides/slide4.xml><?xml version="1.0" encoding="utf-8"?>
+<p:sld xmlns:a="http://schemas.openxmlformats.org/drawingml/2006/main" xmlns:r="http://schemas.openxmlformats.org/officeDocument/2006/relationships" xmlns:p="http://schemas.openxmlformats.org/presentationml/2006/main">
+  <p:cSld>
+    <p:spTree>
+      <p:nvGrpSpPr>
+        <p:cNvPr id="1" name=""/>
+        <p:cNvGrpSpPr/>
+        <p:nvPr/>
+      </p:nvGrpSpPr>
+      <p:grpSpPr>
+        <a:xfrm>
+          <a:off x="0" y="0"/>
+          <a:ext cx="0" cy="0"/>
+          <a:chOff x="0" y="0"/>
+          <a:chExt cx="0" cy="0"/>
+        </a:xfrm>
+      </p:grpSpPr>
+      <p:sp>
+        <p:nvSpPr>
+          <p:cNvPr id="2" name="Title 1"/>
+          <p:cNvSpPr>
+            <a:spLocks noGrp="1"/>
+          </p:cNvSpPr>
+          <p:nvPr>
+            <p:ph type="title"/>
+          </p:nvPr>
+        </p:nvSpPr>
+        <p:spPr/>
+        <p:txBody>
+          <a:bodyPr/>
+          <a:lstStyle/>
+          <a:p>
+            <a:endParaRPr lang="en-US"/>
+          </a:p>
+        </p:txBody>
+      </p:sp>
+      <p:sp>
+        <p:nvSpPr>
+          <p:cNvPr id="3" name="Content Placeholder 2"/>
+          <p:cNvSpPr>
+            <a:spLocks noGrp="1"/>
+          </p:cNvSpPr>
+          <p:nvPr>
+            <p:ph idx="1"/>
+          </p:nvPr>
+        </p:nvSpPr>
+        <p:spPr/>
+        <p:txBody>
+          <a:bodyPr/>
+          <a:lstStyle/>
+          <a:p>
+            <a:endParaRPr lang="en-US"/>
+          </a:p>
+        </p:txBody>
+      </p:sp>
+      <p:pic>
+        <p:nvPicPr>
+          <p:cNvPr id="2050" name="Picture 2" descr="https://i.cbc.ca/1.3691113.1469569560!/fileImage/httpImage/image.png_gen/derivatives/16x9_780/diverse-google.png"/>
+          <p:cNvPicPr>
+            <a:picLocks noChangeAspect="1" noChangeArrowheads="1"/>
+          </p:cNvPicPr>
+          <p:nvPr/>
+        </p:nvPicPr>
+        <p:blipFill>
+          <a:blip r:embed="rId2">
+            <a:extLst>
+              <a:ext uri="{28A0092B-C50C-407E-A947-70E740481C1C}">
+                <a14:useLocalDpi xmlns:a14="http://schemas.microsoft.com/office/drawing/2010/main" val="0"/>
+              </a:ext>
+            </a:extLst>
+          </a:blip>
+          <a:srcRect/>
+          <a:stretch>
+            <a:fillRect/>
+          </a:stretch>
+        </p:blipFill>
+        <p:spPr bwMode="auto">
+          <a:xfrm>
+            <a:off x="1257300" y="1772443"/>
+            <a:ext cx="7429500" cy="4181475"/>
+          </a:xfrm>
+          <a:prstGeom prst="rect">
+            <a:avLst/>
+          </a:prstGeom>
+          <a:noFill/>
+          <a:extLst>
+            <a:ext uri="{909E8E84-426E-40DD-AFC4-6F175D3DCCD1}">
+              <a14:hiddenFill xmlns:a14="http://schemas.microsoft.com/office/drawing/2010/main">
+                <a:solidFill>
+                  <a:srgbClr val="FFFFFF"/>
+                </a:solidFill>
+              </a14:hiddenFill>
+            </a:ext>
+          </a:extLst>
+        </p:spPr>
+      </p:pic>
+    </p:spTree>
+    <p:extLst>
+      <p:ext uri="{BB962C8B-B14F-4D97-AF65-F5344CB8AC3E}">
+        <p14:creationId xmlns:p14="http://schemas.microsoft.com/office/powerpoint/2010/main" val="3031789662"/>
       </p:ext>
     </p:extLst>
   </p:cSld>
